--- a/VideoGameSalesPredictor_PP.pptx
+++ b/VideoGameSalesPredictor_PP.pptx
@@ -6,7 +6,7 @@
     <p:sldMasterId id="2147483671" r:id="rId2"/>
   </p:sldMasterIdLst>
   <p:notesMasterIdLst>
-    <p:notesMasterId r:id="rId17"/>
+    <p:notesMasterId r:id="rId18"/>
   </p:notesMasterIdLst>
   <p:sldIdLst>
     <p:sldId id="256" r:id="rId3"/>
@@ -21,18 +21,19 @@
     <p:sldId id="267" r:id="rId12"/>
     <p:sldId id="281" r:id="rId13"/>
     <p:sldId id="268" r:id="rId14"/>
-    <p:sldId id="280" r:id="rId15"/>
-    <p:sldId id="282" r:id="rId16"/>
+    <p:sldId id="283" r:id="rId15"/>
+    <p:sldId id="280" r:id="rId16"/>
+    <p:sldId id="282" r:id="rId17"/>
   </p:sldIdLst>
   <p:sldSz cx="9144000" cy="5143500" type="screen16x9"/>
   <p:notesSz cx="6858000" cy="9144000"/>
   <p:embeddedFontLst>
     <p:embeddedFont>
       <p:font typeface="Proxima Nova" panose="020B0604020202020204" charset="0"/>
-      <p:regular r:id="rId18"/>
-      <p:bold r:id="rId19"/>
-      <p:italic r:id="rId20"/>
-      <p:boldItalic r:id="rId21"/>
+      <p:regular r:id="rId19"/>
+      <p:bold r:id="rId20"/>
+      <p:italic r:id="rId21"/>
+      <p:boldItalic r:id="rId22"/>
     </p:embeddedFont>
   </p:embeddedFontLst>
   <p:defaultTextStyle>
@@ -1150,6 +1151,115 @@
   <p:cSld>
     <p:spTree>
       <p:nvGrpSpPr>
+        <p:cNvPr id="1" name="Shape 190"/>
+        <p:cNvGrpSpPr/>
+        <p:nvPr/>
+      </p:nvGrpSpPr>
+      <p:grpSpPr>
+        <a:xfrm>
+          <a:off x="0" y="0"/>
+          <a:ext cx="0" cy="0"/>
+          <a:chOff x="0" y="0"/>
+          <a:chExt cx="0" cy="0"/>
+        </a:xfrm>
+      </p:grpSpPr>
+      <p:sp>
+        <p:nvSpPr>
+          <p:cNvPr id="191" name="Google Shape;191;gd4400e736_2_5:notes"/>
+          <p:cNvSpPr>
+            <a:spLocks noGrp="1" noRot="1" noChangeAspect="1"/>
+          </p:cNvSpPr>
+          <p:nvPr>
+            <p:ph type="sldImg" idx="2"/>
+          </p:nvPr>
+        </p:nvSpPr>
+        <p:spPr>
+          <a:xfrm>
+            <a:off x="381000" y="685800"/>
+            <a:ext cx="6096000" cy="3429000"/>
+          </a:xfrm>
+          <a:custGeom>
+            <a:avLst/>
+            <a:gdLst/>
+            <a:ahLst/>
+            <a:cxnLst/>
+            <a:rect l="l" t="t" r="r" b="b"/>
+            <a:pathLst>
+              <a:path w="120000" h="120000" extrusionOk="0">
+                <a:moveTo>
+                  <a:pt x="0" y="0"/>
+                </a:moveTo>
+                <a:lnTo>
+                  <a:pt x="120000" y="0"/>
+                </a:lnTo>
+                <a:lnTo>
+                  <a:pt x="120000" y="120000"/>
+                </a:lnTo>
+                <a:lnTo>
+                  <a:pt x="0" y="120000"/>
+                </a:lnTo>
+                <a:close/>
+              </a:path>
+            </a:pathLst>
+          </a:custGeom>
+        </p:spPr>
+      </p:sp>
+      <p:sp>
+        <p:nvSpPr>
+          <p:cNvPr id="192" name="Google Shape;192;gd4400e736_2_5:notes"/>
+          <p:cNvSpPr txBox="1">
+            <a:spLocks noGrp="1"/>
+          </p:cNvSpPr>
+          <p:nvPr>
+            <p:ph type="body" idx="1"/>
+          </p:nvPr>
+        </p:nvSpPr>
+        <p:spPr>
+          <a:xfrm>
+            <a:off x="685800" y="4343400"/>
+            <a:ext cx="5486400" cy="4114800"/>
+          </a:xfrm>
+          <a:prstGeom prst="rect">
+            <a:avLst/>
+          </a:prstGeom>
+        </p:spPr>
+        <p:txBody>
+          <a:bodyPr spcFirstLastPara="1" wrap="square" lIns="91425" tIns="91425" rIns="91425" bIns="91425" anchor="t" anchorCtr="0">
+            <a:noAutofit/>
+          </a:bodyPr>
+          <a:lstStyle/>
+          <a:p>
+            <a:pPr marL="0" lvl="0" indent="0" algn="l" rtl="0">
+              <a:spcBef>
+                <a:spcPts val="0"/>
+              </a:spcBef>
+              <a:spcAft>
+                <a:spcPts val="0"/>
+              </a:spcAft>
+              <a:buNone/>
+            </a:pPr>
+            <a:endParaRPr/>
+          </a:p>
+        </p:txBody>
+      </p:sp>
+    </p:spTree>
+    <p:extLst>
+      <p:ext uri="{BB962C8B-B14F-4D97-AF65-F5344CB8AC3E}">
+        <p14:creationId xmlns:p14="http://schemas.microsoft.com/office/powerpoint/2010/main" val="3869727515"/>
+      </p:ext>
+    </p:extLst>
+  </p:cSld>
+  <p:clrMapOvr>
+    <a:masterClrMapping/>
+  </p:clrMapOvr>
+</p:notes>
+</file>
+
+<file path=ppt/notesSlides/notesSlide14.xml><?xml version="1.0" encoding="utf-8"?>
+<p:notes xmlns:a="http://schemas.openxmlformats.org/drawingml/2006/main" xmlns:r="http://schemas.openxmlformats.org/officeDocument/2006/relationships" xmlns:p="http://schemas.openxmlformats.org/presentationml/2006/main" showMasterSp="0" showMasterPhAnim="0">
+  <p:cSld>
+    <p:spTree>
+      <p:nvGrpSpPr>
         <p:cNvPr id="1" name="Shape 293"/>
         <p:cNvGrpSpPr/>
         <p:nvPr/>
@@ -1249,7 +1359,7 @@
 </p:notes>
 </file>
 
-<file path=ppt/notesSlides/notesSlide14.xml><?xml version="1.0" encoding="utf-8"?>
+<file path=ppt/notesSlides/notesSlide15.xml><?xml version="1.0" encoding="utf-8"?>
 <p:notes xmlns:a="http://schemas.openxmlformats.org/drawingml/2006/main" xmlns:r="http://schemas.openxmlformats.org/officeDocument/2006/relationships" xmlns:p="http://schemas.openxmlformats.org/presentationml/2006/main" showMasterSp="0" showMasterPhAnim="0">
   <p:cSld>
     <p:spTree>
@@ -12739,7 +12849,7 @@
             </a:pPr>
             <a:r>
               <a:rPr lang="en-US" dirty="0"/>
-              <a:t>Train Score: 0.98037</a:t>
+              <a:t>Train Score: 0.852977</a:t>
             </a:r>
           </a:p>
           <a:p>
@@ -12754,7 +12864,7 @@
             </a:pPr>
             <a:r>
               <a:rPr lang="en-US" dirty="0"/>
-              <a:t>Test Score: 0.97953</a:t>
+              <a:t>Test Score: 0.58996</a:t>
             </a:r>
           </a:p>
           <a:p>
@@ -12803,7 +12913,7 @@
             </a:pPr>
             <a:r>
               <a:rPr lang="en-US" dirty="0"/>
-              <a:t>Max Depth: 7</a:t>
+              <a:t>Max Depth: 14</a:t>
             </a:r>
           </a:p>
           <a:p>
@@ -12818,7 +12928,7 @@
             </a:pPr>
             <a:r>
               <a:rPr lang="en-US" dirty="0"/>
-              <a:t>Subsample: 1</a:t>
+              <a:t>Subsample: 0.5</a:t>
             </a:r>
           </a:p>
           <a:p>
@@ -12837,7 +12947,7 @@
             </a:r>
             <a:r>
               <a:rPr lang="en-US" dirty="0"/>
-              <a:t>: 0.059</a:t>
+              <a:t>: 0.437(million)</a:t>
             </a:r>
           </a:p>
           <a:p>
@@ -12856,7 +12966,7 @@
             </a:r>
             <a:r>
               <a:rPr lang="en-US" dirty="0"/>
-              <a:t>: 0.00000</a:t>
+              <a:t>: 1.9332 x 100%</a:t>
             </a:r>
             <a:endParaRPr dirty="0"/>
           </a:p>
@@ -12870,7 +12980,7 @@
         </p:nvSpPr>
         <p:spPr>
           <a:xfrm>
-            <a:off x="4710175" y="3958350"/>
+            <a:off x="4922826" y="3818779"/>
             <a:ext cx="4319700" cy="411900"/>
           </a:xfrm>
           <a:prstGeom prst="rect">
@@ -12976,10 +13086,10 @@
       </p:sp>
       <p:pic>
         <p:nvPicPr>
-          <p:cNvPr id="4" name="Picture 3">
+          <p:cNvPr id="3" name="Picture 2">
             <a:extLst>
               <a:ext uri="{FF2B5EF4-FFF2-40B4-BE49-F238E27FC236}">
-                <a16:creationId xmlns:a16="http://schemas.microsoft.com/office/drawing/2014/main" id="{860E1D31-6573-4D58-AE41-95BCB5F62018}"/>
+                <a16:creationId xmlns:a16="http://schemas.microsoft.com/office/drawing/2014/main" id="{0A750365-A3FE-4B18-A38A-A426E328E386}"/>
               </a:ext>
             </a:extLst>
           </p:cNvPr>
@@ -12996,8 +13106,8 @@
         </p:blipFill>
         <p:spPr>
           <a:xfrm>
-            <a:off x="4955982" y="773250"/>
-            <a:ext cx="3922518" cy="2559609"/>
+            <a:off x="4833300" y="1134591"/>
+            <a:ext cx="4037451" cy="2663551"/>
           </a:xfrm>
           <a:prstGeom prst="rect">
             <a:avLst/>
@@ -13041,7 +13151,7 @@
         </p:nvSpPr>
         <p:spPr>
           <a:xfrm>
-            <a:off x="108049" y="287485"/>
+            <a:off x="193110" y="101589"/>
             <a:ext cx="4045200" cy="911929"/>
           </a:xfrm>
           <a:prstGeom prst="rect">
@@ -13083,7 +13193,7 @@
         </p:nvSpPr>
         <p:spPr>
           <a:xfrm>
-            <a:off x="286765" y="1199414"/>
+            <a:off x="276948" y="926263"/>
             <a:ext cx="4045200" cy="1345500"/>
           </a:xfrm>
           <a:prstGeom prst="rect">
@@ -13153,7 +13263,7 @@
             </a:pPr>
             <a:r>
               <a:rPr lang="en-US" dirty="0"/>
-              <a:t>Train Score: 0.9999995333</a:t>
+              <a:t>Train Score: 0.5004</a:t>
             </a:r>
           </a:p>
           <a:p>
@@ -13168,7 +13278,7 @@
             </a:pPr>
             <a:r>
               <a:rPr lang="en-US" dirty="0"/>
-              <a:t>Test Score: 0.9999994923</a:t>
+              <a:t>Test Score: 0.4364</a:t>
             </a:r>
             <a:endParaRPr lang="en" dirty="0"/>
           </a:p>
@@ -13215,7 +13325,7 @@
             </a:pPr>
             <a:r>
               <a:rPr lang="en" dirty="0"/>
-              <a:t> Lambda = 0.000001</a:t>
+              <a:t> Lambda = 0.0001</a:t>
             </a:r>
           </a:p>
           <a:p>
@@ -13229,6 +13339,45 @@
               <a:buNone/>
             </a:pPr>
             <a:endParaRPr lang="en" dirty="0"/>
+          </a:p>
+          <a:p>
+            <a:pPr marL="0" lvl="0" indent="0" algn="ctr" rtl="0">
+              <a:spcBef>
+                <a:spcPts val="0"/>
+              </a:spcBef>
+              <a:spcAft>
+                <a:spcPts val="0"/>
+              </a:spcAft>
+              <a:buNone/>
+            </a:pPr>
+            <a:r>
+              <a:rPr lang="en" b="1" u="sng" dirty="0"/>
+              <a:t>MAE</a:t>
+            </a:r>
+            <a:r>
+              <a:rPr lang="en" dirty="0"/>
+              <a:t>: 0.4982 (million)</a:t>
+            </a:r>
+          </a:p>
+          <a:p>
+            <a:pPr marL="0" lvl="0" indent="0" algn="ctr" rtl="0">
+              <a:spcBef>
+                <a:spcPts val="0"/>
+              </a:spcBef>
+              <a:spcAft>
+                <a:spcPts val="0"/>
+              </a:spcAft>
+              <a:buNone/>
+            </a:pPr>
+            <a:r>
+              <a:rPr lang="en" b="1" u="sng" dirty="0"/>
+              <a:t>MAPE</a:t>
+            </a:r>
+            <a:r>
+              <a:rPr lang="en" dirty="0"/>
+              <a:t>: 0.2307 * 100%</a:t>
+            </a:r>
+            <a:endParaRPr lang="en" b="1" u="sng" dirty="0"/>
           </a:p>
           <a:p>
             <a:pPr marL="0" lvl="0" indent="0" algn="ctr" rtl="0">
@@ -13346,10 +13495,10 @@
       </p:sp>
       <p:pic>
         <p:nvPicPr>
-          <p:cNvPr id="6" name="Picture 5">
+          <p:cNvPr id="8" name="Picture 7">
             <a:extLst>
               <a:ext uri="{FF2B5EF4-FFF2-40B4-BE49-F238E27FC236}">
-                <a16:creationId xmlns:a16="http://schemas.microsoft.com/office/drawing/2014/main" id="{E09F1D18-1794-4AEF-952D-FFECAB1342C1}"/>
+                <a16:creationId xmlns:a16="http://schemas.microsoft.com/office/drawing/2014/main" id="{69133573-76AA-49E7-826A-0469E4B84A7A}"/>
               </a:ext>
             </a:extLst>
           </p:cNvPr>
@@ -13366,8 +13515,8 @@
         </p:blipFill>
         <p:spPr>
           <a:xfrm>
-            <a:off x="4990753" y="1013518"/>
-            <a:ext cx="3831357" cy="2516491"/>
+            <a:off x="4701458" y="773250"/>
+            <a:ext cx="4319700" cy="2938757"/>
           </a:xfrm>
           <a:prstGeom prst="rect">
             <a:avLst/>
@@ -13416,7 +13565,7 @@
         </p:nvSpPr>
         <p:spPr>
           <a:xfrm>
-            <a:off x="108048" y="287485"/>
+            <a:off x="151817" y="0"/>
             <a:ext cx="4315095" cy="911929"/>
           </a:xfrm>
           <a:prstGeom prst="rect">
@@ -13458,7 +13607,7 @@
         </p:nvSpPr>
         <p:spPr>
           <a:xfrm>
-            <a:off x="286765" y="1199414"/>
+            <a:off x="321890" y="689052"/>
             <a:ext cx="4045200" cy="1345500"/>
           </a:xfrm>
           <a:prstGeom prst="rect">
@@ -13528,7 +13677,7 @@
             </a:pPr>
             <a:r>
               <a:rPr lang="en-US" dirty="0"/>
-              <a:t>Train Score: 0.999998</a:t>
+              <a:t>Train Score: 0.4786</a:t>
             </a:r>
           </a:p>
           <a:p>
@@ -13543,7 +13692,7 @@
             </a:pPr>
             <a:r>
               <a:rPr lang="en-US" dirty="0"/>
-              <a:t>Test Score: 0.999998</a:t>
+              <a:t>Test Score: 0.4201</a:t>
             </a:r>
             <a:endParaRPr lang="en" dirty="0"/>
           </a:p>
@@ -13590,7 +13739,7 @@
             </a:pPr>
             <a:r>
               <a:rPr lang="en" dirty="0"/>
-              <a:t> Lambda = 0.0001</a:t>
+              <a:t> Lambda = 0.001</a:t>
             </a:r>
           </a:p>
           <a:p>
@@ -13605,7 +13754,7 @@
             </a:pPr>
             <a:r>
               <a:rPr lang="en" dirty="0"/>
-              <a:t>L1 Ratio = 1</a:t>
+              <a:t>L1 Ratio = 0.1</a:t>
             </a:r>
           </a:p>
           <a:p>
@@ -13618,9 +13767,25 @@
               </a:spcAft>
               <a:buNone/>
             </a:pPr>
+            <a:endParaRPr lang="en" dirty="0"/>
+          </a:p>
+          <a:p>
+            <a:pPr marL="0" lvl="0" indent="0" algn="ctr" rtl="0">
+              <a:spcBef>
+                <a:spcPts val="0"/>
+              </a:spcBef>
+              <a:spcAft>
+                <a:spcPts val="0"/>
+              </a:spcAft>
+              <a:buNone/>
+            </a:pPr>
+            <a:r>
+              <a:rPr lang="en" b="1" u="sng" dirty="0"/>
+              <a:t>MAE</a:t>
+            </a:r>
             <a:r>
               <a:rPr lang="en" dirty="0"/>
-              <a:t>MAE: 0.0002</a:t>
+              <a:t>: 0.5064 (million)</a:t>
             </a:r>
           </a:p>
           <a:p>
@@ -13633,9 +13798,13 @@
               </a:spcAft>
               <a:buNone/>
             </a:pPr>
+            <a:r>
+              <a:rPr lang="en" b="1" u="sng" dirty="0"/>
+              <a:t>MAPE</a:t>
+            </a:r>
             <a:r>
               <a:rPr lang="en" dirty="0"/>
-              <a:t>MAPE: 0.0001</a:t>
+              <a:t>: 0.2340 * 100%</a:t>
             </a:r>
           </a:p>
           <a:p>
@@ -13672,7 +13841,7 @@
         </p:nvSpPr>
         <p:spPr>
           <a:xfrm>
-            <a:off x="4710175" y="3958350"/>
+            <a:off x="5103580" y="3618155"/>
             <a:ext cx="4319700" cy="411900"/>
           </a:xfrm>
           <a:prstGeom prst="rect">
@@ -13708,7 +13877,7 @@
                 <a:cs typeface="Proxima Nova"/>
                 <a:sym typeface="Proxima Nova"/>
               </a:rPr>
-              <a:t>Figure 2.  Predicted vs True (Sales in mllions)</a:t>
+              <a:t>Figure 3.  Predicted vs True (Sales in mllions)</a:t>
             </a:r>
             <a:endParaRPr dirty="0">
               <a:solidFill>
@@ -13766,10 +13935,10 @@
       </p:sp>
       <p:pic>
         <p:nvPicPr>
-          <p:cNvPr id="6" name="Picture 5">
+          <p:cNvPr id="9" name="Picture 8">
             <a:extLst>
               <a:ext uri="{FF2B5EF4-FFF2-40B4-BE49-F238E27FC236}">
-                <a16:creationId xmlns:a16="http://schemas.microsoft.com/office/drawing/2014/main" id="{E09F1D18-1794-4AEF-952D-FFECAB1342C1}"/>
+                <a16:creationId xmlns:a16="http://schemas.microsoft.com/office/drawing/2014/main" id="{7372EFC5-EFAC-427F-9655-BE00CE2C4CF3}"/>
               </a:ext>
             </a:extLst>
           </p:cNvPr>
@@ -13786,8 +13955,8 @@
         </p:blipFill>
         <p:spPr>
           <a:xfrm>
-            <a:off x="4990753" y="1013518"/>
-            <a:ext cx="3831357" cy="2516491"/>
+            <a:off x="4743306" y="757299"/>
+            <a:ext cx="4277852" cy="2860856"/>
           </a:xfrm>
           <a:prstGeom prst="rect">
             <a:avLst/>
@@ -13807,7 +13976,7 @@
   <p:cSld>
     <p:spTree>
       <p:nvGrpSpPr>
-        <p:cNvPr id="1" name="Shape 296"/>
+        <p:cNvPr id="1" name="Shape 193"/>
         <p:cNvGrpSpPr/>
         <p:nvPr/>
       </p:nvGrpSpPr>
@@ -13821,116 +13990,330 @@
       </p:grpSpPr>
       <p:sp>
         <p:nvSpPr>
-          <p:cNvPr id="297" name="Google Shape;297;p49"/>
+          <p:cNvPr id="194" name="Google Shape;194;p37"/>
           <p:cNvSpPr txBox="1">
             <a:spLocks noGrp="1"/>
           </p:cNvSpPr>
           <p:nvPr>
-            <p:ph type="title" idx="4294967295"/>
+            <p:ph type="title"/>
           </p:nvPr>
         </p:nvSpPr>
         <p:spPr>
           <a:xfrm>
-            <a:off x="311700" y="709050"/>
-            <a:ext cx="8292900" cy="3725400"/>
+            <a:off x="151817" y="0"/>
+            <a:ext cx="4315095" cy="911929"/>
           </a:xfrm>
           <a:prstGeom prst="rect">
             <a:avLst/>
           </a:prstGeom>
         </p:spPr>
         <p:txBody>
-          <a:bodyPr spcFirstLastPara="1" wrap="square" lIns="91425" tIns="91425" rIns="91425" bIns="91425" anchor="ctr" anchorCtr="0">
+          <a:bodyPr spcFirstLastPara="1" wrap="square" lIns="91425" tIns="91425" rIns="91425" bIns="91425" anchor="b" anchorCtr="0">
             <a:noAutofit/>
           </a:bodyPr>
           <a:lstStyle/>
           <a:p>
-            <a:pPr marL="0" lvl="0" indent="0" algn="l" rtl="0">
-              <a:spcBef>
-                <a:spcPts val="0"/>
-              </a:spcBef>
-              <a:spcAft>
-                <a:spcPts val="0"/>
-              </a:spcAft>
-              <a:buNone/>
-            </a:pPr>
-            <a:endParaRPr sz="3200" dirty="0"/>
-          </a:p>
-          <a:p>
-            <a:pPr lvl="0" algn="ctr" rtl="0">
-              <a:spcBef>
-                <a:spcPts val="1600"/>
-              </a:spcBef>
-              <a:spcAft>
-                <a:spcPts val="0"/>
-              </a:spcAft>
+            <a:pPr marL="0" lvl="0" indent="0" algn="ctr" rtl="0">
+              <a:spcBef>
+                <a:spcPts val="0"/>
+              </a:spcBef>
+              <a:spcAft>
+                <a:spcPts val="0"/>
+              </a:spcAft>
+              <a:buNone/>
             </a:pPr>
             <a:r>
-              <a:rPr lang="en-US" sz="3200" dirty="0"/>
-              <a:t>Where to go from here?</a:t>
+              <a:rPr lang="en" dirty="0"/>
+              <a:t>KNN Regression</a:t>
             </a:r>
-            <a:br>
-              <a:rPr lang="en-US" sz="3200" dirty="0"/>
-            </a:br>
-            <a:br>
-              <a:rPr lang="en-US" sz="3200" dirty="0"/>
-            </a:br>
-            <a:r>
-              <a:rPr lang="en-US" sz="3200" dirty="0"/>
-              <a:t>Improve models for sales in other countries</a:t>
-            </a:r>
-            <a:br>
-              <a:rPr lang="en-US" sz="3200" dirty="0"/>
-            </a:br>
-            <a:br>
-              <a:rPr lang="en-US" sz="3200" dirty="0"/>
-            </a:br>
-            <a:r>
-              <a:rPr lang="en-US" sz="3200" dirty="0"/>
-              <a:t>Investigate further investment in sponsored critics.  </a:t>
-            </a:r>
-            <a:endParaRPr sz="3200" dirty="0"/>
-          </a:p>
-          <a:p>
-            <a:pPr marL="0" lvl="0" indent="0" algn="l" rtl="0">
-              <a:spcBef>
-                <a:spcPts val="1600"/>
-              </a:spcBef>
-              <a:spcAft>
-                <a:spcPts val="0"/>
-              </a:spcAft>
-              <a:buNone/>
-            </a:pPr>
-            <a:endParaRPr sz="3200" dirty="0"/>
-          </a:p>
-          <a:p>
-            <a:pPr marL="0" lvl="0" indent="0" algn="l" rtl="0">
-              <a:spcBef>
-                <a:spcPts val="1600"/>
-              </a:spcBef>
-              <a:spcAft>
-                <a:spcPts val="0"/>
-              </a:spcAft>
-              <a:buNone/>
-            </a:pPr>
-            <a:endParaRPr sz="2000" dirty="0"/>
-          </a:p>
-          <a:p>
-            <a:pPr marL="0" lvl="0" indent="0" algn="l" rtl="0">
-              <a:spcBef>
-                <a:spcPts val="1600"/>
-              </a:spcBef>
-              <a:spcAft>
-                <a:spcPts val="1600"/>
-              </a:spcAft>
-              <a:buNone/>
-            </a:pPr>
-            <a:endParaRPr sz="2000" dirty="0"/>
+            <a:endParaRPr dirty="0"/>
           </a:p>
         </p:txBody>
       </p:sp>
       <p:sp>
         <p:nvSpPr>
-          <p:cNvPr id="298" name="Google Shape;298;p49"/>
+          <p:cNvPr id="195" name="Google Shape;195;p37"/>
+          <p:cNvSpPr txBox="1">
+            <a:spLocks noGrp="1"/>
+          </p:cNvSpPr>
+          <p:nvPr>
+            <p:ph type="subTitle" idx="1"/>
+          </p:nvPr>
+        </p:nvSpPr>
+        <p:spPr>
+          <a:xfrm>
+            <a:off x="321890" y="689052"/>
+            <a:ext cx="4045200" cy="1345500"/>
+          </a:xfrm>
+          <a:prstGeom prst="rect">
+            <a:avLst/>
+          </a:prstGeom>
+        </p:spPr>
+        <p:txBody>
+          <a:bodyPr spcFirstLastPara="1" wrap="square" lIns="91425" tIns="91425" rIns="91425" bIns="91425" anchor="t" anchorCtr="0">
+            <a:noAutofit/>
+          </a:bodyPr>
+          <a:lstStyle/>
+          <a:p>
+            <a:pPr marL="0" lvl="0" indent="0" algn="ctr" rtl="0">
+              <a:spcBef>
+                <a:spcPts val="0"/>
+              </a:spcBef>
+              <a:spcAft>
+                <a:spcPts val="0"/>
+              </a:spcAft>
+              <a:buNone/>
+            </a:pPr>
+            <a:r>
+              <a:rPr lang="en" dirty="0"/>
+              <a:t>K-nearest neighbors’ regression</a:t>
+            </a:r>
+          </a:p>
+          <a:p>
+            <a:pPr marL="0" lvl="0" indent="0" algn="ctr" rtl="0">
+              <a:spcBef>
+                <a:spcPts val="0"/>
+              </a:spcBef>
+              <a:spcAft>
+                <a:spcPts val="0"/>
+              </a:spcAft>
+              <a:buNone/>
+            </a:pPr>
+            <a:endParaRPr lang="en" dirty="0"/>
+          </a:p>
+          <a:p>
+            <a:pPr marL="0" lvl="0" indent="0" algn="ctr" rtl="0">
+              <a:spcBef>
+                <a:spcPts val="0"/>
+              </a:spcBef>
+              <a:spcAft>
+                <a:spcPts val="0"/>
+              </a:spcAft>
+              <a:buNone/>
+            </a:pPr>
+            <a:r>
+              <a:rPr lang="en" b="1" u="sng" dirty="0"/>
+              <a:t>Accuracy</a:t>
+            </a:r>
+            <a:r>
+              <a:rPr lang="en" dirty="0"/>
+              <a:t>:</a:t>
+            </a:r>
+          </a:p>
+          <a:p>
+            <a:pPr marL="0" lvl="0" indent="0" algn="ctr" rtl="0">
+              <a:spcBef>
+                <a:spcPts val="0"/>
+              </a:spcBef>
+              <a:spcAft>
+                <a:spcPts val="0"/>
+              </a:spcAft>
+              <a:buNone/>
+            </a:pPr>
+            <a:r>
+              <a:rPr lang="en-US" dirty="0"/>
+              <a:t>Train Score: 0.58312</a:t>
+            </a:r>
+          </a:p>
+          <a:p>
+            <a:pPr marL="0" lvl="0" indent="0" algn="ctr" rtl="0">
+              <a:spcBef>
+                <a:spcPts val="0"/>
+              </a:spcBef>
+              <a:spcAft>
+                <a:spcPts val="0"/>
+              </a:spcAft>
+              <a:buNone/>
+            </a:pPr>
+            <a:r>
+              <a:rPr lang="en-US" dirty="0"/>
+              <a:t>Test Score: 0.4769</a:t>
+            </a:r>
+            <a:endParaRPr lang="en" dirty="0"/>
+          </a:p>
+          <a:p>
+            <a:pPr marL="0" lvl="0" indent="0" algn="ctr" rtl="0">
+              <a:spcBef>
+                <a:spcPts val="0"/>
+              </a:spcBef>
+              <a:spcAft>
+                <a:spcPts val="0"/>
+              </a:spcAft>
+              <a:buNone/>
+            </a:pPr>
+            <a:endParaRPr lang="en" dirty="0"/>
+          </a:p>
+          <a:p>
+            <a:pPr marL="0" lvl="0" indent="0" algn="ctr" rtl="0">
+              <a:spcBef>
+                <a:spcPts val="0"/>
+              </a:spcBef>
+              <a:spcAft>
+                <a:spcPts val="0"/>
+              </a:spcAft>
+              <a:buNone/>
+            </a:pPr>
+            <a:r>
+              <a:rPr lang="en" b="1" u="sng" dirty="0"/>
+              <a:t>Parameters</a:t>
+            </a:r>
+            <a:r>
+              <a:rPr lang="en" dirty="0"/>
+              <a:t>:</a:t>
+            </a:r>
+          </a:p>
+          <a:p>
+            <a:pPr marL="0" lvl="0" indent="0" algn="ctr" rtl="0">
+              <a:spcBef>
+                <a:spcPts val="0"/>
+              </a:spcBef>
+              <a:spcAft>
+                <a:spcPts val="0"/>
+              </a:spcAft>
+              <a:buNone/>
+            </a:pPr>
+            <a:r>
+              <a:rPr lang="en" dirty="0"/>
+              <a:t> 13 neighbors</a:t>
+            </a:r>
+          </a:p>
+          <a:p>
+            <a:pPr marL="0" lvl="0" indent="0" algn="ctr" rtl="0">
+              <a:spcBef>
+                <a:spcPts val="0"/>
+              </a:spcBef>
+              <a:spcAft>
+                <a:spcPts val="0"/>
+              </a:spcAft>
+              <a:buNone/>
+            </a:pPr>
+            <a:endParaRPr lang="en" dirty="0"/>
+          </a:p>
+          <a:p>
+            <a:pPr marL="0" lvl="0" indent="0" algn="ctr" rtl="0">
+              <a:spcBef>
+                <a:spcPts val="0"/>
+              </a:spcBef>
+              <a:spcAft>
+                <a:spcPts val="0"/>
+              </a:spcAft>
+              <a:buNone/>
+            </a:pPr>
+            <a:r>
+              <a:rPr lang="en" b="1" u="sng" dirty="0"/>
+              <a:t>MAE</a:t>
+            </a:r>
+            <a:r>
+              <a:rPr lang="en" dirty="0"/>
+              <a:t>: 0.4735 (million)</a:t>
+            </a:r>
+          </a:p>
+          <a:p>
+            <a:pPr marL="0" lvl="0" indent="0" algn="ctr" rtl="0">
+              <a:spcBef>
+                <a:spcPts val="0"/>
+              </a:spcBef>
+              <a:spcAft>
+                <a:spcPts val="0"/>
+              </a:spcAft>
+              <a:buNone/>
+            </a:pPr>
+            <a:r>
+              <a:rPr lang="en" b="1" u="sng" dirty="0"/>
+              <a:t>MAPE</a:t>
+            </a:r>
+            <a:r>
+              <a:rPr lang="en" dirty="0"/>
+              <a:t>: 0.2073 * 100%</a:t>
+            </a:r>
+          </a:p>
+          <a:p>
+            <a:pPr marL="0" lvl="0" indent="0" algn="ctr" rtl="0">
+              <a:spcBef>
+                <a:spcPts val="0"/>
+              </a:spcBef>
+              <a:spcAft>
+                <a:spcPts val="0"/>
+              </a:spcAft>
+              <a:buNone/>
+            </a:pPr>
+            <a:endParaRPr lang="en" dirty="0"/>
+          </a:p>
+          <a:p>
+            <a:pPr marL="0" lvl="0" indent="0" algn="ctr" rtl="0">
+              <a:spcBef>
+                <a:spcPts val="0"/>
+              </a:spcBef>
+              <a:spcAft>
+                <a:spcPts val="0"/>
+              </a:spcAft>
+              <a:buNone/>
+            </a:pPr>
+            <a:endParaRPr dirty="0"/>
+          </a:p>
+        </p:txBody>
+      </p:sp>
+      <p:sp>
+        <p:nvSpPr>
+          <p:cNvPr id="197" name="Google Shape;197;p37"/>
+          <p:cNvSpPr txBox="1"/>
+          <p:nvPr/>
+        </p:nvSpPr>
+        <p:spPr>
+          <a:xfrm>
+            <a:off x="8149649" y="3521948"/>
+            <a:ext cx="959811" cy="543859"/>
+          </a:xfrm>
+          <a:prstGeom prst="rect">
+            <a:avLst/>
+          </a:prstGeom>
+          <a:noFill/>
+          <a:ln>
+            <a:noFill/>
+          </a:ln>
+        </p:spPr>
+        <p:txBody>
+          <a:bodyPr spcFirstLastPara="1" wrap="square" lIns="91425" tIns="91425" rIns="91425" bIns="91425" anchor="t" anchorCtr="0">
+            <a:noAutofit/>
+          </a:bodyPr>
+          <a:lstStyle/>
+          <a:p>
+            <a:pPr marL="0" lvl="0" indent="0" algn="l" rtl="0">
+              <a:spcBef>
+                <a:spcPts val="0"/>
+              </a:spcBef>
+              <a:spcAft>
+                <a:spcPts val="0"/>
+              </a:spcAft>
+              <a:buNone/>
+            </a:pPr>
+            <a:r>
+              <a:rPr lang="en" sz="1300" dirty="0">
+                <a:solidFill>
+                  <a:srgbClr val="FFFFFF"/>
+                </a:solidFill>
+                <a:latin typeface="Proxima Nova"/>
+                <a:ea typeface="Proxima Nova"/>
+                <a:cs typeface="Proxima Nova"/>
+                <a:sym typeface="Proxima Nova"/>
+              </a:rPr>
+              <a:t>Figure 5.  Predicted vs True (Sales in mllions)</a:t>
+            </a:r>
+            <a:endParaRPr dirty="0">
+              <a:solidFill>
+                <a:srgbClr val="FFFFFF"/>
+              </a:solidFill>
+              <a:latin typeface="Proxima Nova"/>
+              <a:ea typeface="Proxima Nova"/>
+              <a:cs typeface="Proxima Nova"/>
+              <a:sym typeface="Proxima Nova"/>
+            </a:endParaRPr>
+          </a:p>
+        </p:txBody>
+      </p:sp>
+      <p:sp>
+        <p:nvSpPr>
+          <p:cNvPr id="198" name="Google Shape;198;p37"/>
           <p:cNvSpPr txBox="1">
             <a:spLocks noGrp="1"/>
           </p:cNvSpPr>
@@ -13970,7 +14353,136 @@
           </a:p>
         </p:txBody>
       </p:sp>
+      <p:sp>
+        <p:nvSpPr>
+          <p:cNvPr id="9" name="Google Shape;197;p37">
+            <a:extLst>
+              <a:ext uri="{FF2B5EF4-FFF2-40B4-BE49-F238E27FC236}">
+                <a16:creationId xmlns:a16="http://schemas.microsoft.com/office/drawing/2014/main" id="{821FD516-CE0D-45C2-985A-D8E7611E2A02}"/>
+              </a:ext>
+            </a:extLst>
+          </p:cNvPr>
+          <p:cNvSpPr txBox="1"/>
+          <p:nvPr/>
+        </p:nvSpPr>
+        <p:spPr>
+          <a:xfrm>
+            <a:off x="4632574" y="1041076"/>
+            <a:ext cx="1082004" cy="411900"/>
+          </a:xfrm>
+          <a:prstGeom prst="rect">
+            <a:avLst/>
+          </a:prstGeom>
+          <a:noFill/>
+          <a:ln>
+            <a:noFill/>
+          </a:ln>
+        </p:spPr>
+        <p:txBody>
+          <a:bodyPr spcFirstLastPara="1" wrap="square" lIns="91425" tIns="91425" rIns="91425" bIns="91425" anchor="t" anchorCtr="0">
+            <a:noAutofit/>
+          </a:bodyPr>
+          <a:lstStyle/>
+          <a:p>
+            <a:pPr marL="0" lvl="0" indent="0" algn="l" rtl="0">
+              <a:spcBef>
+                <a:spcPts val="0"/>
+              </a:spcBef>
+              <a:spcAft>
+                <a:spcPts val="0"/>
+              </a:spcAft>
+              <a:buNone/>
+            </a:pPr>
+            <a:r>
+              <a:rPr lang="en" sz="1300" dirty="0">
+                <a:solidFill>
+                  <a:srgbClr val="FFFFFF"/>
+                </a:solidFill>
+                <a:latin typeface="Proxima Nova"/>
+                <a:ea typeface="Proxima Nova"/>
+                <a:cs typeface="Proxima Nova"/>
+                <a:sym typeface="Proxima Nova"/>
+              </a:rPr>
+              <a:t>Figure 4.  Finding the best number of neighbors</a:t>
+            </a:r>
+            <a:endParaRPr dirty="0">
+              <a:solidFill>
+                <a:srgbClr val="FFFFFF"/>
+              </a:solidFill>
+              <a:latin typeface="Proxima Nova"/>
+              <a:ea typeface="Proxima Nova"/>
+              <a:cs typeface="Proxima Nova"/>
+              <a:sym typeface="Proxima Nova"/>
+            </a:endParaRPr>
+          </a:p>
+        </p:txBody>
+      </p:sp>
+      <p:pic>
+        <p:nvPicPr>
+          <p:cNvPr id="8" name="Picture 7">
+            <a:extLst>
+              <a:ext uri="{FF2B5EF4-FFF2-40B4-BE49-F238E27FC236}">
+                <a16:creationId xmlns:a16="http://schemas.microsoft.com/office/drawing/2014/main" id="{164A93CB-68D2-42BC-BF13-5F4D8DBFA5CB}"/>
+              </a:ext>
+            </a:extLst>
+          </p:cNvPr>
+          <p:cNvPicPr>
+            <a:picLocks noChangeAspect="1"/>
+          </p:cNvPicPr>
+          <p:nvPr/>
+        </p:nvPicPr>
+        <p:blipFill>
+          <a:blip r:embed="rId3"/>
+          <a:stretch>
+            <a:fillRect/>
+          </a:stretch>
+        </p:blipFill>
+        <p:spPr>
+          <a:xfrm>
+            <a:off x="5630782" y="86683"/>
+            <a:ext cx="3390376" cy="2216784"/>
+          </a:xfrm>
+          <a:prstGeom prst="rect">
+            <a:avLst/>
+          </a:prstGeom>
+        </p:spPr>
+      </p:pic>
+      <p:pic>
+        <p:nvPicPr>
+          <p:cNvPr id="11" name="Picture 10">
+            <a:extLst>
+              <a:ext uri="{FF2B5EF4-FFF2-40B4-BE49-F238E27FC236}">
+                <a16:creationId xmlns:a16="http://schemas.microsoft.com/office/drawing/2014/main" id="{507DAA06-8E14-4861-9BF8-CC1564C8A887}"/>
+              </a:ext>
+            </a:extLst>
+          </p:cNvPr>
+          <p:cNvPicPr>
+            <a:picLocks noChangeAspect="1"/>
+          </p:cNvPicPr>
+          <p:nvPr/>
+        </p:nvPicPr>
+        <p:blipFill>
+          <a:blip r:embed="rId4"/>
+          <a:stretch>
+            <a:fillRect/>
+          </a:stretch>
+        </p:blipFill>
+        <p:spPr>
+          <a:xfrm>
+            <a:off x="4669369" y="2621946"/>
+            <a:ext cx="3480280" cy="2343862"/>
+          </a:xfrm>
+          <a:prstGeom prst="rect">
+            <a:avLst/>
+          </a:prstGeom>
+        </p:spPr>
+      </p:pic>
     </p:spTree>
+    <p:extLst>
+      <p:ext uri="{BB962C8B-B14F-4D97-AF65-F5344CB8AC3E}">
+        <p14:creationId xmlns:p14="http://schemas.microsoft.com/office/powerpoint/2010/main" val="1927083348"/>
+      </p:ext>
+    </p:extLst>
   </p:cSld>
   <p:clrMapOvr>
     <a:masterClrMapping/>
@@ -14029,26 +14541,45 @@
               </a:spcAft>
               <a:buNone/>
             </a:pPr>
-            <a:endParaRPr sz="3200"/>
-          </a:p>
-          <a:p>
-            <a:pPr marL="0" lvl="0" indent="0" algn="ctr" rtl="0">
+            <a:endParaRPr sz="3200" dirty="0"/>
+          </a:p>
+          <a:p>
+            <a:pPr lvl="0" algn="ctr" rtl="0">
               <a:spcBef>
                 <a:spcPts val="1600"/>
               </a:spcBef>
               <a:spcAft>
                 <a:spcPts val="0"/>
               </a:spcAft>
-              <a:buNone/>
             </a:pPr>
             <a:r>
-              <a:rPr lang="en" sz="3200"/>
-              <a:t>The End</a:t>
+              <a:rPr lang="en-US" sz="3200" dirty="0"/>
+              <a:t>Where to go from here?</a:t>
             </a:r>
-            <a:endParaRPr sz="3200"/>
-          </a:p>
-          <a:p>
-            <a:pPr marL="0" lvl="0" indent="0" algn="ctr" rtl="0">
+            <a:br>
+              <a:rPr lang="en-US" sz="3200" dirty="0"/>
+            </a:br>
+            <a:br>
+              <a:rPr lang="en-US" sz="3200" dirty="0"/>
+            </a:br>
+            <a:r>
+              <a:rPr lang="en-US" sz="3200" dirty="0"/>
+              <a:t>Improve models for sales in other countries</a:t>
+            </a:r>
+            <a:br>
+              <a:rPr lang="en-US" sz="3200" dirty="0"/>
+            </a:br>
+            <a:br>
+              <a:rPr lang="en-US" sz="3200" dirty="0"/>
+            </a:br>
+            <a:r>
+              <a:rPr lang="en-US" sz="3200" dirty="0"/>
+              <a:t>Investigate further investment in sponsored critics.  </a:t>
+            </a:r>
+            <a:endParaRPr sz="3200" dirty="0"/>
+          </a:p>
+          <a:p>
+            <a:pPr marL="0" lvl="0" indent="0" algn="l" rtl="0">
               <a:spcBef>
                 <a:spcPts val="1600"/>
               </a:spcBef>
@@ -14057,11 +14588,7 @@
               </a:spcAft>
               <a:buNone/>
             </a:pPr>
-            <a:r>
-              <a:rPr lang="en" sz="3200"/>
-              <a:t>Questions?</a:t>
-            </a:r>
-            <a:endParaRPr sz="3200"/>
+            <a:endParaRPr sz="3200" dirty="0"/>
           </a:p>
           <a:p>
             <a:pPr marL="0" lvl="0" indent="0" algn="l" rtl="0">
@@ -14073,7 +14600,7 @@
               </a:spcAft>
               <a:buNone/>
             </a:pPr>
-            <a:endParaRPr sz="3200"/>
+            <a:endParaRPr sz="2000" dirty="0"/>
           </a:p>
           <a:p>
             <a:pPr marL="0" lvl="0" indent="0" algn="l" rtl="0">
@@ -14081,47 +14608,11 @@
                 <a:spcPts val="1600"/>
               </a:spcBef>
               <a:spcAft>
-                <a:spcPts val="0"/>
-              </a:spcAft>
-              <a:buNone/>
-            </a:pPr>
-            <a:endParaRPr sz="3200"/>
-          </a:p>
-          <a:p>
-            <a:pPr marL="0" lvl="0" indent="0" algn="l" rtl="0">
-              <a:spcBef>
                 <a:spcPts val="1600"/>
-              </a:spcBef>
-              <a:spcAft>
-                <a:spcPts val="0"/>
-              </a:spcAft>
-              <a:buNone/>
-            </a:pPr>
-            <a:endParaRPr sz="3200"/>
-          </a:p>
-          <a:p>
-            <a:pPr marL="0" lvl="0" indent="0" algn="l" rtl="0">
-              <a:spcBef>
-                <a:spcPts val="1600"/>
-              </a:spcBef>
-              <a:spcAft>
-                <a:spcPts val="0"/>
-              </a:spcAft>
-              <a:buNone/>
-            </a:pPr>
-            <a:endParaRPr sz="2000"/>
-          </a:p>
-          <a:p>
-            <a:pPr marL="0" lvl="0" indent="0" algn="l" rtl="0">
-              <a:spcBef>
-                <a:spcPts val="1600"/>
-              </a:spcBef>
-              <a:spcAft>
-                <a:spcPts val="1600"/>
-              </a:spcAft>
-              <a:buNone/>
-            </a:pPr>
-            <a:endParaRPr sz="2000"/>
+              </a:spcAft>
+              <a:buNone/>
+            </a:pPr>
+            <a:endParaRPr sz="2000" dirty="0"/>
           </a:p>
         </p:txBody>
       </p:sp>
@@ -14162,6 +14653,203 @@
             <a:fld id="{00000000-1234-1234-1234-123412341234}" type="slidenum">
               <a:rPr lang="en"/>
               <a:t>14</a:t>
+            </a:fld>
+            <a:endParaRPr/>
+          </a:p>
+        </p:txBody>
+      </p:sp>
+    </p:spTree>
+  </p:cSld>
+  <p:clrMapOvr>
+    <a:masterClrMapping/>
+  </p:clrMapOvr>
+</p:sld>
+</file>
+
+<file path=ppt/slides/slide15.xml><?xml version="1.0" encoding="utf-8"?>
+<p:sld xmlns:a="http://schemas.openxmlformats.org/drawingml/2006/main" xmlns:r="http://schemas.openxmlformats.org/officeDocument/2006/relationships" xmlns:p="http://schemas.openxmlformats.org/presentationml/2006/main">
+  <p:cSld>
+    <p:spTree>
+      <p:nvGrpSpPr>
+        <p:cNvPr id="1" name="Shape 296"/>
+        <p:cNvGrpSpPr/>
+        <p:nvPr/>
+      </p:nvGrpSpPr>
+      <p:grpSpPr>
+        <a:xfrm>
+          <a:off x="0" y="0"/>
+          <a:ext cx="0" cy="0"/>
+          <a:chOff x="0" y="0"/>
+          <a:chExt cx="0" cy="0"/>
+        </a:xfrm>
+      </p:grpSpPr>
+      <p:sp>
+        <p:nvSpPr>
+          <p:cNvPr id="297" name="Google Shape;297;p49"/>
+          <p:cNvSpPr txBox="1">
+            <a:spLocks noGrp="1"/>
+          </p:cNvSpPr>
+          <p:nvPr>
+            <p:ph type="title" idx="4294967295"/>
+          </p:nvPr>
+        </p:nvSpPr>
+        <p:spPr>
+          <a:xfrm>
+            <a:off x="311700" y="709050"/>
+            <a:ext cx="8292900" cy="3725400"/>
+          </a:xfrm>
+          <a:prstGeom prst="rect">
+            <a:avLst/>
+          </a:prstGeom>
+        </p:spPr>
+        <p:txBody>
+          <a:bodyPr spcFirstLastPara="1" wrap="square" lIns="91425" tIns="91425" rIns="91425" bIns="91425" anchor="ctr" anchorCtr="0">
+            <a:noAutofit/>
+          </a:bodyPr>
+          <a:lstStyle/>
+          <a:p>
+            <a:pPr marL="0" lvl="0" indent="0" algn="l" rtl="0">
+              <a:spcBef>
+                <a:spcPts val="0"/>
+              </a:spcBef>
+              <a:spcAft>
+                <a:spcPts val="0"/>
+              </a:spcAft>
+              <a:buNone/>
+            </a:pPr>
+            <a:endParaRPr sz="3200"/>
+          </a:p>
+          <a:p>
+            <a:pPr marL="0" lvl="0" indent="0" algn="ctr" rtl="0">
+              <a:spcBef>
+                <a:spcPts val="1600"/>
+              </a:spcBef>
+              <a:spcAft>
+                <a:spcPts val="0"/>
+              </a:spcAft>
+              <a:buNone/>
+            </a:pPr>
+            <a:r>
+              <a:rPr lang="en" sz="3200"/>
+              <a:t>The End</a:t>
+            </a:r>
+            <a:endParaRPr sz="3200"/>
+          </a:p>
+          <a:p>
+            <a:pPr marL="0" lvl="0" indent="0" algn="ctr" rtl="0">
+              <a:spcBef>
+                <a:spcPts val="1600"/>
+              </a:spcBef>
+              <a:spcAft>
+                <a:spcPts val="0"/>
+              </a:spcAft>
+              <a:buNone/>
+            </a:pPr>
+            <a:r>
+              <a:rPr lang="en" sz="3200"/>
+              <a:t>Questions?</a:t>
+            </a:r>
+            <a:endParaRPr sz="3200"/>
+          </a:p>
+          <a:p>
+            <a:pPr marL="0" lvl="0" indent="0" algn="l" rtl="0">
+              <a:spcBef>
+                <a:spcPts val="1600"/>
+              </a:spcBef>
+              <a:spcAft>
+                <a:spcPts val="0"/>
+              </a:spcAft>
+              <a:buNone/>
+            </a:pPr>
+            <a:endParaRPr sz="3200"/>
+          </a:p>
+          <a:p>
+            <a:pPr marL="0" lvl="0" indent="0" algn="l" rtl="0">
+              <a:spcBef>
+                <a:spcPts val="1600"/>
+              </a:spcBef>
+              <a:spcAft>
+                <a:spcPts val="0"/>
+              </a:spcAft>
+              <a:buNone/>
+            </a:pPr>
+            <a:endParaRPr sz="3200"/>
+          </a:p>
+          <a:p>
+            <a:pPr marL="0" lvl="0" indent="0" algn="l" rtl="0">
+              <a:spcBef>
+                <a:spcPts val="1600"/>
+              </a:spcBef>
+              <a:spcAft>
+                <a:spcPts val="0"/>
+              </a:spcAft>
+              <a:buNone/>
+            </a:pPr>
+            <a:endParaRPr sz="3200"/>
+          </a:p>
+          <a:p>
+            <a:pPr marL="0" lvl="0" indent="0" algn="l" rtl="0">
+              <a:spcBef>
+                <a:spcPts val="1600"/>
+              </a:spcBef>
+              <a:spcAft>
+                <a:spcPts val="0"/>
+              </a:spcAft>
+              <a:buNone/>
+            </a:pPr>
+            <a:endParaRPr sz="2000"/>
+          </a:p>
+          <a:p>
+            <a:pPr marL="0" lvl="0" indent="0" algn="l" rtl="0">
+              <a:spcBef>
+                <a:spcPts val="1600"/>
+              </a:spcBef>
+              <a:spcAft>
+                <a:spcPts val="1600"/>
+              </a:spcAft>
+              <a:buNone/>
+            </a:pPr>
+            <a:endParaRPr sz="2000"/>
+          </a:p>
+        </p:txBody>
+      </p:sp>
+      <p:sp>
+        <p:nvSpPr>
+          <p:cNvPr id="298" name="Google Shape;298;p49"/>
+          <p:cNvSpPr txBox="1">
+            <a:spLocks noGrp="1"/>
+          </p:cNvSpPr>
+          <p:nvPr>
+            <p:ph type="sldNum" idx="12"/>
+          </p:nvPr>
+        </p:nvSpPr>
+        <p:spPr>
+          <a:xfrm>
+            <a:off x="8472458" y="4663217"/>
+            <a:ext cx="548700" cy="393600"/>
+          </a:xfrm>
+          <a:prstGeom prst="rect">
+            <a:avLst/>
+          </a:prstGeom>
+        </p:spPr>
+        <p:txBody>
+          <a:bodyPr spcFirstLastPara="1" wrap="square" lIns="91425" tIns="91425" rIns="91425" bIns="91425" anchor="ctr" anchorCtr="0">
+            <a:noAutofit/>
+          </a:bodyPr>
+          <a:lstStyle/>
+          <a:p>
+            <a:pPr marL="0" lvl="0" indent="0" algn="r" rtl="0">
+              <a:spcBef>
+                <a:spcPts val="0"/>
+              </a:spcBef>
+              <a:spcAft>
+                <a:spcPts val="0"/>
+              </a:spcAft>
+              <a:buNone/>
+            </a:pPr>
+            <a:fld id="{00000000-1234-1234-1234-123412341234}" type="slidenum">
+              <a:rPr lang="en"/>
+              <a:t>15</a:t>
             </a:fld>
             <a:endParaRPr/>
           </a:p>
